--- a/Presentation1.pptx
+++ b/Presentation1.pptx
@@ -111,6 +111,11 @@
       </a:defRPr>
     </a:lvl9pPr>
   </p:defaultTextStyle>
+  <p:extLst>
+    <p:ext uri="{EFAFB233-063F-42B5-8137-9DF3F51BA10A}">
+      <p15:sldGuideLst xmlns:p15="http://schemas.microsoft.com/office/powerpoint/2012/main"/>
+    </p:ext>
+  </p:extLst>
 </p:presentation>
 </file>
 
@@ -261,7 +266,7 @@
           <a:p>
             <a:fld id="{8C65C1D1-8070-4293-8DB9-3F6265DB69AF}" type="datetimeFigureOut">
               <a:rPr lang="en-US" smtClean="0"/>
-              <a:t>2/13/2024</a:t>
+              <a:t>2/14/2024</a:t>
             </a:fld>
             <a:endParaRPr lang="en-US"/>
           </a:p>
@@ -459,7 +464,7 @@
           <a:p>
             <a:fld id="{8C65C1D1-8070-4293-8DB9-3F6265DB69AF}" type="datetimeFigureOut">
               <a:rPr lang="en-US" smtClean="0"/>
-              <a:t>2/13/2024</a:t>
+              <a:t>2/14/2024</a:t>
             </a:fld>
             <a:endParaRPr lang="en-US"/>
           </a:p>
@@ -667,7 +672,7 @@
           <a:p>
             <a:fld id="{8C65C1D1-8070-4293-8DB9-3F6265DB69AF}" type="datetimeFigureOut">
               <a:rPr lang="en-US" smtClean="0"/>
-              <a:t>2/13/2024</a:t>
+              <a:t>2/14/2024</a:t>
             </a:fld>
             <a:endParaRPr lang="en-US"/>
           </a:p>
@@ -1462,7 +1467,7 @@
           <a:p>
             <a:fld id="{F24EF5F4-8F03-4ABB-88B3-7880A17E3B42}" type="datetimeFigureOut">
               <a:rPr lang="en-US" smtClean="0"/>
-              <a:t>2/13/2024</a:t>
+              <a:t>2/14/2024</a:t>
             </a:fld>
             <a:endParaRPr lang="en-US"/>
           </a:p>
@@ -1638,7 +1643,7 @@
           <a:p>
             <a:fld id="{F24EF5F4-8F03-4ABB-88B3-7880A17E3B42}" type="datetimeFigureOut">
               <a:rPr lang="en-US" smtClean="0"/>
-              <a:t>2/13/2024</a:t>
+              <a:t>2/14/2024</a:t>
             </a:fld>
             <a:endParaRPr lang="en-US"/>
           </a:p>
@@ -1885,7 +1890,7 @@
           <a:p>
             <a:fld id="{F24EF5F4-8F03-4ABB-88B3-7880A17E3B42}" type="datetimeFigureOut">
               <a:rPr lang="en-US" smtClean="0"/>
-              <a:t>2/13/2024</a:t>
+              <a:t>2/14/2024</a:t>
             </a:fld>
             <a:endParaRPr lang="en-US"/>
           </a:p>
@@ -2117,7 +2122,7 @@
           <a:p>
             <a:fld id="{F24EF5F4-8F03-4ABB-88B3-7880A17E3B42}" type="datetimeFigureOut">
               <a:rPr lang="en-US" smtClean="0"/>
-              <a:t>2/13/2024</a:t>
+              <a:t>2/14/2024</a:t>
             </a:fld>
             <a:endParaRPr lang="en-US"/>
           </a:p>
@@ -2491,7 +2496,7 @@
           <a:p>
             <a:fld id="{F24EF5F4-8F03-4ABB-88B3-7880A17E3B42}" type="datetimeFigureOut">
               <a:rPr lang="en-US" smtClean="0"/>
-              <a:t>2/13/2024</a:t>
+              <a:t>2/14/2024</a:t>
             </a:fld>
             <a:endParaRPr lang="en-US"/>
           </a:p>
@@ -2614,7 +2619,7 @@
           <a:p>
             <a:fld id="{F24EF5F4-8F03-4ABB-88B3-7880A17E3B42}" type="datetimeFigureOut">
               <a:rPr lang="en-US" smtClean="0"/>
-              <a:t>2/13/2024</a:t>
+              <a:t>2/14/2024</a:t>
             </a:fld>
             <a:endParaRPr lang="en-US"/>
           </a:p>
@@ -2709,7 +2714,7 @@
           <a:p>
             <a:fld id="{F24EF5F4-8F03-4ABB-88B3-7880A17E3B42}" type="datetimeFigureOut">
               <a:rPr lang="en-US" smtClean="0"/>
-              <a:t>2/13/2024</a:t>
+              <a:t>2/14/2024</a:t>
             </a:fld>
             <a:endParaRPr lang="en-US"/>
           </a:p>
@@ -2964,7 +2969,7 @@
           <a:p>
             <a:fld id="{F24EF5F4-8F03-4ABB-88B3-7880A17E3B42}" type="datetimeFigureOut">
               <a:rPr lang="en-US" smtClean="0"/>
-              <a:t>2/13/2024</a:t>
+              <a:t>2/14/2024</a:t>
             </a:fld>
             <a:endParaRPr lang="en-US"/>
           </a:p>
@@ -3150,7 +3155,7 @@
           <a:p>
             <a:fld id="{8C65C1D1-8070-4293-8DB9-3F6265DB69AF}" type="datetimeFigureOut">
               <a:rPr lang="en-US" smtClean="0"/>
-              <a:t>2/13/2024</a:t>
+              <a:t>2/14/2024</a:t>
             </a:fld>
             <a:endParaRPr lang="en-US"/>
           </a:p>
@@ -3425,7 +3430,7 @@
           <a:p>
             <a:fld id="{F24EF5F4-8F03-4ABB-88B3-7880A17E3B42}" type="datetimeFigureOut">
               <a:rPr lang="en-US" smtClean="0"/>
-              <a:t>2/13/2024</a:t>
+              <a:t>2/14/2024</a:t>
             </a:fld>
             <a:endParaRPr lang="en-US"/>
           </a:p>
@@ -3676,7 +3681,7 @@
           <a:p>
             <a:fld id="{F24EF5F4-8F03-4ABB-88B3-7880A17E3B42}" type="datetimeFigureOut">
               <a:rPr lang="en-US" smtClean="0"/>
-              <a:t>2/13/2024</a:t>
+              <a:t>2/14/2024</a:t>
             </a:fld>
             <a:endParaRPr lang="en-US"/>
           </a:p>
@@ -3990,7 +3995,7 @@
           <a:p>
             <a:fld id="{F24EF5F4-8F03-4ABB-88B3-7880A17E3B42}" type="datetimeFigureOut">
               <a:rPr lang="en-US" smtClean="0"/>
-              <a:t>2/13/2024</a:t>
+              <a:t>2/14/2024</a:t>
             </a:fld>
             <a:endParaRPr lang="en-US"/>
           </a:p>
@@ -4331,7 +4336,7 @@
           <a:p>
             <a:fld id="{F24EF5F4-8F03-4ABB-88B3-7880A17E3B42}" type="datetimeFigureOut">
               <a:rPr lang="en-US" smtClean="0"/>
-              <a:t>2/13/2024</a:t>
+              <a:t>2/14/2024</a:t>
             </a:fld>
             <a:endParaRPr lang="en-US"/>
           </a:p>
@@ -4645,7 +4650,7 @@
           <a:p>
             <a:fld id="{F24EF5F4-8F03-4ABB-88B3-7880A17E3B42}" type="datetimeFigureOut">
               <a:rPr lang="en-US" smtClean="0"/>
-              <a:t>2/13/2024</a:t>
+              <a:t>2/14/2024</a:t>
             </a:fld>
             <a:endParaRPr lang="en-US"/>
           </a:p>
@@ -5038,7 +5043,7 @@
           <a:p>
             <a:fld id="{F24EF5F4-8F03-4ABB-88B3-7880A17E3B42}" type="datetimeFigureOut">
               <a:rPr lang="en-US" smtClean="0"/>
-              <a:t>2/13/2024</a:t>
+              <a:t>2/14/2024</a:t>
             </a:fld>
             <a:endParaRPr lang="en-US"/>
           </a:p>
@@ -5208,7 +5213,7 @@
           <a:p>
             <a:fld id="{F24EF5F4-8F03-4ABB-88B3-7880A17E3B42}" type="datetimeFigureOut">
               <a:rPr lang="en-US" smtClean="0"/>
-              <a:t>2/13/2024</a:t>
+              <a:t>2/14/2024</a:t>
             </a:fld>
             <a:endParaRPr lang="en-US"/>
           </a:p>
@@ -5388,7 +5393,7 @@
           <a:p>
             <a:fld id="{F24EF5F4-8F03-4ABB-88B3-7880A17E3B42}" type="datetimeFigureOut">
               <a:rPr lang="en-US" smtClean="0"/>
-              <a:t>2/13/2024</a:t>
+              <a:t>2/14/2024</a:t>
             </a:fld>
             <a:endParaRPr lang="en-US"/>
           </a:p>
@@ -5651,7 +5656,7 @@
           <a:p>
             <a:fld id="{8C65C1D1-8070-4293-8DB9-3F6265DB69AF}" type="datetimeFigureOut">
               <a:rPr lang="en-US" smtClean="0"/>
-              <a:t>2/13/2024</a:t>
+              <a:t>2/14/2024</a:t>
             </a:fld>
             <a:endParaRPr lang="en-US"/>
           </a:p>
@@ -5916,7 +5921,7 @@
           <a:p>
             <a:fld id="{8C65C1D1-8070-4293-8DB9-3F6265DB69AF}" type="datetimeFigureOut">
               <a:rPr lang="en-US" smtClean="0"/>
-              <a:t>2/13/2024</a:t>
+              <a:t>2/14/2024</a:t>
             </a:fld>
             <a:endParaRPr lang="en-US"/>
           </a:p>
@@ -6328,7 +6333,7 @@
           <a:p>
             <a:fld id="{8C65C1D1-8070-4293-8DB9-3F6265DB69AF}" type="datetimeFigureOut">
               <a:rPr lang="en-US" smtClean="0"/>
-              <a:t>2/13/2024</a:t>
+              <a:t>2/14/2024</a:t>
             </a:fld>
             <a:endParaRPr lang="en-US"/>
           </a:p>
@@ -6469,7 +6474,7 @@
           <a:p>
             <a:fld id="{8C65C1D1-8070-4293-8DB9-3F6265DB69AF}" type="datetimeFigureOut">
               <a:rPr lang="en-US" smtClean="0"/>
-              <a:t>2/13/2024</a:t>
+              <a:t>2/14/2024</a:t>
             </a:fld>
             <a:endParaRPr lang="en-US"/>
           </a:p>
@@ -6582,7 +6587,7 @@
           <a:p>
             <a:fld id="{8C65C1D1-8070-4293-8DB9-3F6265DB69AF}" type="datetimeFigureOut">
               <a:rPr lang="en-US" smtClean="0"/>
-              <a:t>2/13/2024</a:t>
+              <a:t>2/14/2024</a:t>
             </a:fld>
             <a:endParaRPr lang="en-US"/>
           </a:p>
@@ -6893,7 +6898,7 @@
           <a:p>
             <a:fld id="{8C65C1D1-8070-4293-8DB9-3F6265DB69AF}" type="datetimeFigureOut">
               <a:rPr lang="en-US" smtClean="0"/>
-              <a:t>2/13/2024</a:t>
+              <a:t>2/14/2024</a:t>
             </a:fld>
             <a:endParaRPr lang="en-US"/>
           </a:p>
@@ -7181,7 +7186,7 @@
           <a:p>
             <a:fld id="{8C65C1D1-8070-4293-8DB9-3F6265DB69AF}" type="datetimeFigureOut">
               <a:rPr lang="en-US" smtClean="0"/>
-              <a:t>2/13/2024</a:t>
+              <a:t>2/14/2024</a:t>
             </a:fld>
             <a:endParaRPr lang="en-US"/>
           </a:p>
@@ -7422,7 +7427,7 @@
           <a:p>
             <a:fld id="{8C65C1D1-8070-4293-8DB9-3F6265DB69AF}" type="datetimeFigureOut">
               <a:rPr lang="en-US" smtClean="0"/>
-              <a:t>2/13/2024</a:t>
+              <a:t>2/14/2024</a:t>
             </a:fld>
             <a:endParaRPr lang="en-US"/>
           </a:p>
@@ -8504,7 +8509,7 @@
           <a:p>
             <a:fld id="{F24EF5F4-8F03-4ABB-88B3-7880A17E3B42}" type="datetimeFigureOut">
               <a:rPr lang="en-US" smtClean="0"/>
-              <a:t>2/13/2024</a:t>
+              <a:t>2/14/2024</a:t>
             </a:fld>
             <a:endParaRPr lang="en-US"/>
           </a:p>
@@ -9172,8 +9177,8 @@
         </p:blipFill>
         <p:spPr>
           <a:xfrm>
-            <a:off x="345771" y="1930400"/>
-            <a:ext cx="4951304" cy="3713478"/>
+            <a:off x="409144" y="1360558"/>
+            <a:ext cx="5913167" cy="4434876"/>
           </a:xfrm>
         </p:spPr>
       </p:pic>
@@ -9195,7 +9200,7 @@
         </p:nvSpPr>
         <p:spPr>
           <a:xfrm>
-            <a:off x="5408198" y="2325745"/>
+            <a:off x="6216350" y="1930400"/>
             <a:ext cx="4184034" cy="3880773"/>
           </a:xfrm>
         </p:spPr>
@@ -9312,8 +9317,8 @@
         </p:blipFill>
         <p:spPr>
           <a:xfrm>
-            <a:off x="459215" y="1831262"/>
-            <a:ext cx="5091636" cy="3818726"/>
+            <a:off x="259709" y="1318258"/>
+            <a:ext cx="6035130" cy="4526347"/>
           </a:xfrm>
         </p:spPr>
       </p:pic>
@@ -9335,7 +9340,7 @@
         </p:nvSpPr>
         <p:spPr>
           <a:xfrm>
-            <a:off x="5550850" y="2486873"/>
+            <a:off x="6174841" y="1998170"/>
             <a:ext cx="4184034" cy="3880773"/>
           </a:xfrm>
         </p:spPr>
@@ -9458,8 +9463,8 @@
         </p:blipFill>
         <p:spPr>
           <a:xfrm>
-            <a:off x="308597" y="1814164"/>
-            <a:ext cx="5157661" cy="3868245"/>
+            <a:off x="179089" y="1401193"/>
+            <a:ext cx="6056883" cy="4542661"/>
           </a:xfrm>
         </p:spPr>
       </p:pic>
@@ -9481,7 +9486,7 @@
         </p:nvSpPr>
         <p:spPr>
           <a:xfrm>
-            <a:off x="5375972" y="2015574"/>
+            <a:off x="6096000" y="1930400"/>
             <a:ext cx="4184034" cy="3880773"/>
           </a:xfrm>
         </p:spPr>
@@ -9630,8 +9635,8 @@
         </p:blipFill>
         <p:spPr>
           <a:xfrm>
-            <a:off x="442976" y="2356493"/>
-            <a:ext cx="4417949" cy="3313461"/>
+            <a:off x="147530" y="2134909"/>
+            <a:ext cx="4713396" cy="3535046"/>
           </a:xfrm>
         </p:spPr>
       </p:pic>
@@ -9665,8 +9670,8 @@
         </p:blipFill>
         <p:spPr>
           <a:xfrm>
-            <a:off x="5016560" y="2477339"/>
-            <a:ext cx="4257615" cy="3193211"/>
+            <a:off x="4764679" y="2287962"/>
+            <a:ext cx="4509324" cy="3381993"/>
           </a:xfrm>
         </p:spPr>
       </p:pic>
@@ -9765,8 +9770,8 @@
         </p:blipFill>
         <p:spPr>
           <a:xfrm>
-            <a:off x="318228" y="2262931"/>
-            <a:ext cx="4542698" cy="3407023"/>
+            <a:off x="86338" y="2089015"/>
+            <a:ext cx="4774588" cy="3580940"/>
           </a:xfrm>
         </p:spPr>
       </p:pic>
@@ -9800,8 +9805,8 @@
         </p:blipFill>
         <p:spPr>
           <a:xfrm>
-            <a:off x="4995076" y="2461227"/>
-            <a:ext cx="4279099" cy="3209324"/>
+            <a:off x="4732660" y="2260491"/>
+            <a:ext cx="4541515" cy="3406136"/>
           </a:xfrm>
         </p:spPr>
       </p:pic>
@@ -9900,8 +9905,8 @@
         </p:blipFill>
         <p:spPr>
           <a:xfrm>
-            <a:off x="4898284" y="2388633"/>
-            <a:ext cx="4375891" cy="3281918"/>
+            <a:off x="4690800" y="2233020"/>
+            <a:ext cx="4583375" cy="3437531"/>
           </a:xfrm>
         </p:spPr>
       </p:pic>
@@ -9935,8 +9940,8 @@
         </p:blipFill>
         <p:spPr>
           <a:xfrm>
-            <a:off x="364208" y="2230542"/>
-            <a:ext cx="4581309" cy="3435981"/>
+            <a:off x="132045" y="2056420"/>
+            <a:ext cx="4813473" cy="3610104"/>
           </a:xfrm>
         </p:spPr>
       </p:pic>
